--- a/Object-Oriented Programming/Consultation3/Consultation3.pptx
+++ b/Object-Oriented Programming/Consultation3/Consultation3.pptx
@@ -300,7 +300,7 @@
           <a:p>
             <a:fld id="{69EA1B5C-C6C4-48C7-B31A-45A6BFCD8930}" type="datetimeFigureOut">
               <a:rPr lang="en-US" smtClean="0"/>
-              <a:t>4/4/2019</a:t>
+              <a:t>4/6/2019</a:t>
             </a:fld>
             <a:endParaRPr lang="en-US"/>
           </a:p>
@@ -717,7 +717,7 @@
           <a:p>
             <a:fld id="{A668673D-F46B-4D54-BC46-393ACD5BD4A2}" type="datetimeFigureOut">
               <a:rPr lang="en-GB" smtClean="0"/>
-              <a:t>04/04/2019</a:t>
+              <a:t>06/04/2019</a:t>
             </a:fld>
             <a:endParaRPr lang="en-GB"/>
           </a:p>
@@ -917,7 +917,7 @@
           <a:p>
             <a:fld id="{A668673D-F46B-4D54-BC46-393ACD5BD4A2}" type="datetimeFigureOut">
               <a:rPr lang="en-GB" smtClean="0"/>
-              <a:t>04/04/2019</a:t>
+              <a:t>06/04/2019</a:t>
             </a:fld>
             <a:endParaRPr lang="en-GB"/>
           </a:p>
@@ -1127,7 +1127,7 @@
           <a:p>
             <a:fld id="{A668673D-F46B-4D54-BC46-393ACD5BD4A2}" type="datetimeFigureOut">
               <a:rPr lang="en-GB" smtClean="0"/>
-              <a:t>04/04/2019</a:t>
+              <a:t>06/04/2019</a:t>
             </a:fld>
             <a:endParaRPr lang="en-GB"/>
           </a:p>
@@ -1327,7 +1327,7 @@
           <a:p>
             <a:fld id="{A668673D-F46B-4D54-BC46-393ACD5BD4A2}" type="datetimeFigureOut">
               <a:rPr lang="en-GB" smtClean="0"/>
-              <a:t>04/04/2019</a:t>
+              <a:t>06/04/2019</a:t>
             </a:fld>
             <a:endParaRPr lang="en-GB"/>
           </a:p>
@@ -1603,7 +1603,7 @@
           <a:p>
             <a:fld id="{A668673D-F46B-4D54-BC46-393ACD5BD4A2}" type="datetimeFigureOut">
               <a:rPr lang="en-GB" smtClean="0"/>
-              <a:t>04/04/2019</a:t>
+              <a:t>06/04/2019</a:t>
             </a:fld>
             <a:endParaRPr lang="en-GB"/>
           </a:p>
@@ -1871,7 +1871,7 @@
           <a:p>
             <a:fld id="{A668673D-F46B-4D54-BC46-393ACD5BD4A2}" type="datetimeFigureOut">
               <a:rPr lang="en-GB" smtClean="0"/>
-              <a:t>04/04/2019</a:t>
+              <a:t>06/04/2019</a:t>
             </a:fld>
             <a:endParaRPr lang="en-GB"/>
           </a:p>
@@ -2286,7 +2286,7 @@
           <a:p>
             <a:fld id="{A668673D-F46B-4D54-BC46-393ACD5BD4A2}" type="datetimeFigureOut">
               <a:rPr lang="en-GB" smtClean="0"/>
-              <a:t>04/04/2019</a:t>
+              <a:t>06/04/2019</a:t>
             </a:fld>
             <a:endParaRPr lang="en-GB"/>
           </a:p>
@@ -2428,7 +2428,7 @@
           <a:p>
             <a:fld id="{A668673D-F46B-4D54-BC46-393ACD5BD4A2}" type="datetimeFigureOut">
               <a:rPr lang="en-GB" smtClean="0"/>
-              <a:t>04/04/2019</a:t>
+              <a:t>06/04/2019</a:t>
             </a:fld>
             <a:endParaRPr lang="en-GB"/>
           </a:p>
@@ -2541,7 +2541,7 @@
           <a:p>
             <a:fld id="{A668673D-F46B-4D54-BC46-393ACD5BD4A2}" type="datetimeFigureOut">
               <a:rPr lang="en-GB" smtClean="0"/>
-              <a:t>04/04/2019</a:t>
+              <a:t>06/04/2019</a:t>
             </a:fld>
             <a:endParaRPr lang="en-GB"/>
           </a:p>
@@ -2854,7 +2854,7 @@
           <a:p>
             <a:fld id="{A668673D-F46B-4D54-BC46-393ACD5BD4A2}" type="datetimeFigureOut">
               <a:rPr lang="en-GB" smtClean="0"/>
-              <a:t>04/04/2019</a:t>
+              <a:t>06/04/2019</a:t>
             </a:fld>
             <a:endParaRPr lang="en-GB"/>
           </a:p>
@@ -3143,7 +3143,7 @@
           <a:p>
             <a:fld id="{A668673D-F46B-4D54-BC46-393ACD5BD4A2}" type="datetimeFigureOut">
               <a:rPr lang="en-GB" smtClean="0"/>
-              <a:t>04/04/2019</a:t>
+              <a:t>06/04/2019</a:t>
             </a:fld>
             <a:endParaRPr lang="en-GB"/>
           </a:p>
@@ -3386,7 +3386,7 @@
           <a:p>
             <a:fld id="{A668673D-F46B-4D54-BC46-393ACD5BD4A2}" type="datetimeFigureOut">
               <a:rPr lang="en-GB" smtClean="0"/>
-              <a:t>04/04/2019</a:t>
+              <a:t>06/04/2019</a:t>
             </a:fld>
             <a:endParaRPr lang="en-GB"/>
           </a:p>
@@ -7773,7 +7773,19 @@
             </a:pPr>
             <a:r>
               <a:rPr lang="en-US" dirty="0"/>
-              <a:t>    char name [] = "Danka";</a:t>
+              <a:t>    </a:t>
+            </a:r>
+            <a:r>
+              <a:rPr lang="en-GB" dirty="0" err="1"/>
+              <a:t>const</a:t>
+            </a:r>
+            <a:r>
+              <a:rPr lang="en-GB" dirty="0"/>
+              <a:t> </a:t>
+            </a:r>
+            <a:r>
+              <a:rPr lang="en-US" dirty="0"/>
+              <a:t>char name [] = "Danka";</a:t>
             </a:r>
           </a:p>
           <a:p>
@@ -8333,7 +8345,7 @@
         <p:spPr/>
         <p:txBody>
           <a:bodyPr>
-            <a:normAutofit fontScale="85000" lnSpcReduction="20000"/>
+            <a:normAutofit fontScale="77500" lnSpcReduction="20000"/>
           </a:bodyPr>
           <a:lstStyle/>
           <a:p>
@@ -8359,7 +8371,16 @@
             </a:pPr>
             <a:r>
               <a:rPr lang="en-GB" dirty="0"/>
-              <a:t>class Person {</a:t>
+              <a:t>class Person </a:t>
+            </a:r>
+          </a:p>
+          <a:p>
+            <a:pPr marL="0" indent="0">
+              <a:buNone/>
+            </a:pPr>
+            <a:r>
+              <a:rPr lang="en-GB" dirty="0"/>
+              <a:t>{</a:t>
             </a:r>
           </a:p>
           <a:p>
@@ -8371,8 +8392,12 @@
               <a:t>	</a:t>
             </a:r>
             <a:r>
-              <a:rPr lang="en-GB" dirty="0"/>
-              <a:t>char name [] = "Danka";</a:t>
+              <a:rPr lang="en-GB" dirty="0" err="1"/>
+              <a:t>const</a:t>
+            </a:r>
+            <a:r>
+              <a:rPr lang="en-GB" dirty="0"/>
+              <a:t> char name [] = "Danka";</a:t>
             </a:r>
           </a:p>
           <a:p>
@@ -9679,7 +9704,7 @@
         </p:spPr>
         <p:txBody>
           <a:bodyPr>
-            <a:normAutofit/>
+            <a:normAutofit lnSpcReduction="10000"/>
           </a:bodyPr>
           <a:lstStyle/>
           <a:p>
@@ -9721,6 +9746,11 @@
               <a:rPr lang="en-GB" sz="2200" dirty="0"/>
               <a:t>;</a:t>
             </a:r>
+          </a:p>
+          <a:p>
+            <a:pPr marL="0" indent="0">
+              <a:buNone/>
+            </a:pPr>
             <a:r>
               <a:rPr lang="bg-BG" sz="2200" dirty="0"/>
               <a:t>};</a:t>
